--- a/Lectures/11-model-selection-and-validation-part-2.pptx
+++ b/Lectures/11-model-selection-and-validation-part-2.pptx
@@ -7341,7 +7341,7 @@
           <a:p>
             <a:fld id="{7C0312F8-2DE2-6B40-83C5-731724CAE2B0}" type="datetimeFigureOut">
               <a:rPr lang="en-US" smtClean="0"/>
-              <a:t>10/5/21</a:t>
+              <a:t>10/3/23</a:t>
             </a:fld>
             <a:endParaRPr lang="en-US"/>
           </a:p>
@@ -7436,7 +7436,7 @@
           <a:p>
             <a:fld id="{7C0312F8-2DE2-6B40-83C5-731724CAE2B0}" type="datetimeFigureOut">
               <a:rPr lang="en-US" smtClean="0"/>
-              <a:t>10/5/21</a:t>
+              <a:t>10/3/23</a:t>
             </a:fld>
             <a:endParaRPr lang="en-US"/>
           </a:p>
@@ -9428,7 +9428,7 @@
           <a:p>
             <a:fld id="{7C0312F8-2DE2-6B40-83C5-731724CAE2B0}" type="datetimeFigureOut">
               <a:rPr lang="en-US" smtClean="0"/>
-              <a:t>10/5/21</a:t>
+              <a:t>10/3/23</a:t>
             </a:fld>
             <a:endParaRPr lang="en-US"/>
           </a:p>
@@ -9713,7 +9713,7 @@
           <a:p>
             <a:fld id="{7C0312F8-2DE2-6B40-83C5-731724CAE2B0}" type="datetimeFigureOut">
               <a:rPr lang="en-US" smtClean="0"/>
-              <a:t>10/5/21</a:t>
+              <a:t>10/3/23</a:t>
             </a:fld>
             <a:endParaRPr lang="en-US"/>
           </a:p>
@@ -11190,7 +11190,7 @@
           <a:p>
             <a:fld id="{7C0312F8-2DE2-6B40-83C5-731724CAE2B0}" type="datetimeFigureOut">
               <a:rPr lang="en-US" smtClean="0"/>
-              <a:t>10/5/21</a:t>
+              <a:t>10/3/23</a:t>
             </a:fld>
             <a:endParaRPr lang="en-US"/>
           </a:p>
@@ -11719,9 +11719,9 @@
                   <a:srgbClr val="595959"/>
                 </a:solidFill>
               </a:rPr>
-              <a:t>Rayid Ghani and Kit Rodolfa</a:t>
+              <a:t>Rayid Ghani</a:t>
             </a:r>
-            <a:endParaRPr sz="2800">
+            <a:endParaRPr sz="2800" dirty="0">
               <a:solidFill>
                 <a:srgbClr val="595959"/>
               </a:solidFill>
@@ -12992,27 +12992,13 @@
           <a:p>
             <a:r>
               <a:rPr lang="en-US" dirty="0"/>
-              <a:t>Project check-in on Wednesday (we’ll send around times/locations)</a:t>
+              <a:t>Project check-in on Wednesday </a:t>
             </a:r>
           </a:p>
           <a:p>
             <a:r>
               <a:rPr lang="en-US" dirty="0"/>
-              <a:t>Temporal Validation “whiteboard” session </a:t>
-            </a:r>
-            <a:r>
-              <a:rPr lang="en-US" dirty="0">
-                <a:solidFill>
-                  <a:srgbClr val="C00000"/>
-                </a:solidFill>
-              </a:rPr>
-              <a:t>Thursday</a:t>
-            </a:r>
-          </a:p>
-          <a:p>
-            <a:r>
-              <a:rPr lang="en-US" dirty="0"/>
-              <a:t>Project Assignment due on Friday – see template slides and canvas post</a:t>
+              <a:t>Project work time on Thursday</a:t>
             </a:r>
           </a:p>
           <a:p>
@@ -13050,29 +13036,22 @@
               </a:rPr>
               <a:t>Question: How is teamwork going so far?</a:t>
             </a:r>
+          </a:p>
+          <a:p>
+            <a:r>
+              <a:rPr lang="en-US" dirty="0"/>
+              <a:t>Project Assignment due Monday – see template slides and canvas post</a:t>
+            </a:r>
+          </a:p>
+          <a:p>
+            <a:pPr marL="76200" indent="0">
+              <a:buNone/>
+            </a:pPr>
             <a:endParaRPr lang="en-US" dirty="0">
               <a:solidFill>
                 <a:srgbClr val="C00000"/>
               </a:solidFill>
             </a:endParaRPr>
-          </a:p>
-          <a:p>
-            <a:r>
-              <a:rPr lang="en-US" dirty="0"/>
-              <a:t>Next project assignment due following Monday (Oct 19)</a:t>
-            </a:r>
-          </a:p>
-          <a:p>
-            <a:pPr lvl="1">
-              <a:spcBef>
-                <a:spcPts val="0"/>
-              </a:spcBef>
-            </a:pPr>
-            <a:r>
-              <a:rPr lang="en-US" sz="2400" dirty="0"/>
-              <a:t>Modeling plan and training/validation sets</a:t>
-            </a:r>
-            <a:endParaRPr lang="en-US" dirty="0"/>
           </a:p>
           <a:p>
             <a:pPr marL="76200" indent="0">
@@ -24124,63 +24103,6 @@
             <a:pPr marL="76200" indent="0">
               <a:buNone/>
             </a:pPr>
-            <a:r>
-              <a:rPr lang="en-US" b="1" dirty="0"/>
-              <a:t>With Kit in GHC 8115</a:t>
-            </a:r>
-            <a:endParaRPr lang="en-US" dirty="0"/>
-          </a:p>
-          <a:p>
-            <a:r>
-              <a:rPr lang="en-US" dirty="0"/>
-              <a:t>6:20 – 6:50 EPA Teams</a:t>
-            </a:r>
-          </a:p>
-          <a:p>
-            <a:r>
-              <a:rPr lang="en-US" dirty="0"/>
-              <a:t>6:50 – 7:20 Turnout Teams</a:t>
-            </a:r>
-          </a:p>
-          <a:p>
-            <a:pPr marL="76200" indent="0">
-              <a:buNone/>
-            </a:pPr>
-            <a:endParaRPr lang="en-US" dirty="0"/>
-          </a:p>
-          <a:p>
-            <a:pPr marL="76200" indent="0">
-              <a:buNone/>
-            </a:pPr>
-            <a:r>
-              <a:rPr lang="en-US" b="1" dirty="0"/>
-              <a:t>With </a:t>
-            </a:r>
-            <a:r>
-              <a:rPr lang="en-US" b="1" dirty="0" err="1"/>
-              <a:t>Rayid</a:t>
-            </a:r>
-            <a:r>
-              <a:rPr lang="en-US" b="1" dirty="0"/>
-              <a:t> in GHC 8228</a:t>
-            </a:r>
-          </a:p>
-          <a:p>
-            <a:r>
-              <a:rPr lang="en-US" dirty="0"/>
-              <a:t>6:20 – 6:50 Schools Teams</a:t>
-            </a:r>
-          </a:p>
-          <a:p>
-            <a:r>
-              <a:rPr lang="en-US" dirty="0"/>
-              <a:t>6:50 – 7:20 Bills Teams</a:t>
-            </a:r>
-          </a:p>
-          <a:p>
-            <a:pPr marL="76200" indent="0">
-              <a:buNone/>
-            </a:pPr>
             <a:endParaRPr lang="en-US" dirty="0"/>
           </a:p>
         </p:txBody>
@@ -29720,24 +29642,6 @@
             </a:endParaRPr>
           </a:p>
           <a:p>
-            <a:r>
-              <a:rPr lang="en-US" dirty="0"/>
-              <a:t>Next project assignment due following Monday (Oct 19)</a:t>
-            </a:r>
-          </a:p>
-          <a:p>
-            <a:pPr lvl="1">
-              <a:spcBef>
-                <a:spcPts val="0"/>
-              </a:spcBef>
-            </a:pPr>
-            <a:r>
-              <a:rPr lang="en-US" sz="2400" dirty="0"/>
-              <a:t>Modeling plan and training/validation sets</a:t>
-            </a:r>
-            <a:endParaRPr lang="en-US" dirty="0"/>
-          </a:p>
-          <a:p>
             <a:pPr marL="76200" indent="0">
               <a:buNone/>
             </a:pPr>

--- a/Lectures/11-model-selection-and-validation-part-2.pptx
+++ b/Lectures/11-model-selection-and-validation-part-2.pptx
@@ -14,8 +14,8 @@
     <p:sldId id="500" r:id="rId5"/>
     <p:sldId id="318" r:id="rId6"/>
     <p:sldId id="323" r:id="rId7"/>
-    <p:sldId id="287" r:id="rId8"/>
-    <p:sldId id="468" r:id="rId9"/>
+    <p:sldId id="468" r:id="rId8"/>
+    <p:sldId id="287" r:id="rId9"/>
     <p:sldId id="428" r:id="rId10"/>
     <p:sldId id="430" r:id="rId11"/>
     <p:sldId id="494" r:id="rId12"/>
@@ -286,7 +286,7 @@
       <p15:sldGuideLst xmlns:p15="http://schemas.microsoft.com/office/powerpoint/2012/main"/>
     </p:ext>
     <p:ext uri="http://customooxmlschemas.google.com/">
-      <go:slidesCustomData xmlns="" xmlns:mc="http://schemas.openxmlformats.org/markup-compatibility/2006" xmlns:mv="urn:schemas-microsoft-com:mac:vml" xmlns:c="http://schemas.openxmlformats.org/drawingml/2006/chart" xmlns:dgm="http://schemas.openxmlformats.org/drawingml/2006/diagram" xmlns:o="urn:schemas-microsoft-com:office:office" xmlns:v="urn:schemas-microsoft-com:vml" xmlns:pvml="urn:schemas-microsoft-com:office:powerpoint" xmlns:com="http://schemas.openxmlformats.org/drawingml/2006/compatibility" xmlns:p14="http://schemas.microsoft.com/office/powerpoint/2010/main" xmlns:p15="http://schemas.microsoft.com/office/powerpoint/2012/main" xmlns:go="http://customooxmlschemas.google.com/" r:id="rId44" roundtripDataSignature="AMtx7mjFyVUGRZWio+dc9dxzYsimUxNJbg=="/>
+      <go:slidesCustomData xmlns:go="http://customooxmlschemas.google.com/" xmlns:p15="http://schemas.microsoft.com/office/powerpoint/2012/main" xmlns:p14="http://schemas.microsoft.com/office/powerpoint/2010/main" xmlns:com="http://schemas.openxmlformats.org/drawingml/2006/compatibility" xmlns:pvml="urn:schemas-microsoft-com:office:powerpoint" xmlns:v="urn:schemas-microsoft-com:vml" xmlns:o="urn:schemas-microsoft-com:office:office" xmlns:dgm="http://schemas.openxmlformats.org/drawingml/2006/diagram" xmlns:c="http://schemas.openxmlformats.org/drawingml/2006/chart" xmlns:mv="urn:schemas-microsoft-com:mac:vml" xmlns:mc="http://schemas.openxmlformats.org/markup-compatibility/2006" xmlns="" r:id="rId44" roundtripDataSignature="AMtx7mjFyVUGRZWio+dc9dxzYsimUxNJbg=="/>
     </p:ext>
   </p:extLst>
 </p:presentation>
@@ -7341,7 +7341,7 @@
           <a:p>
             <a:fld id="{7C0312F8-2DE2-6B40-83C5-731724CAE2B0}" type="datetimeFigureOut">
               <a:rPr lang="en-US" smtClean="0"/>
-              <a:t>10/3/23</a:t>
+              <a:t>10/9/23</a:t>
             </a:fld>
             <a:endParaRPr lang="en-US"/>
           </a:p>
@@ -7436,7 +7436,7 @@
           <a:p>
             <a:fld id="{7C0312F8-2DE2-6B40-83C5-731724CAE2B0}" type="datetimeFigureOut">
               <a:rPr lang="en-US" smtClean="0"/>
-              <a:t>10/3/23</a:t>
+              <a:t>10/9/23</a:t>
             </a:fld>
             <a:endParaRPr lang="en-US"/>
           </a:p>
@@ -9428,7 +9428,7 @@
           <a:p>
             <a:fld id="{7C0312F8-2DE2-6B40-83C5-731724CAE2B0}" type="datetimeFigureOut">
               <a:rPr lang="en-US" smtClean="0"/>
-              <a:t>10/3/23</a:t>
+              <a:t>10/9/23</a:t>
             </a:fld>
             <a:endParaRPr lang="en-US"/>
           </a:p>
@@ -9713,7 +9713,7 @@
           <a:p>
             <a:fld id="{7C0312F8-2DE2-6B40-83C5-731724CAE2B0}" type="datetimeFigureOut">
               <a:rPr lang="en-US" smtClean="0"/>
-              <a:t>10/3/23</a:t>
+              <a:t>10/9/23</a:t>
             </a:fld>
             <a:endParaRPr lang="en-US"/>
           </a:p>
@@ -11190,7 +11190,7 @@
           <a:p>
             <a:fld id="{7C0312F8-2DE2-6B40-83C5-731724CAE2B0}" type="datetimeFigureOut">
               <a:rPr lang="en-US" smtClean="0"/>
-              <a:t>10/3/23</a:t>
+              <a:t>10/9/23</a:t>
             </a:fld>
             <a:endParaRPr lang="en-US"/>
           </a:p>
@@ -29810,106 +29810,6 @@
       </p:grpSpPr>
       <p:sp>
         <p:nvSpPr>
-          <p:cNvPr id="3" name="Title 2"/>
-          <p:cNvSpPr>
-            <a:spLocks noGrp="1"/>
-          </p:cNvSpPr>
-          <p:nvPr>
-            <p:ph type="title"/>
-          </p:nvPr>
-        </p:nvSpPr>
-        <p:spPr/>
-        <p:txBody>
-          <a:bodyPr/>
-          <a:lstStyle/>
-          <a:p>
-            <a:r>
-              <a:rPr lang="en-US" dirty="0"/>
-              <a:t>What is the goal of model selection?</a:t>
-            </a:r>
-          </a:p>
-        </p:txBody>
-      </p:sp>
-      <p:sp>
-        <p:nvSpPr>
-          <p:cNvPr id="2" name="Content Placeholder 1"/>
-          <p:cNvSpPr>
-            <a:spLocks noGrp="1"/>
-          </p:cNvSpPr>
-          <p:nvPr>
-            <p:ph type="body" idx="1"/>
-          </p:nvPr>
-        </p:nvSpPr>
-        <p:spPr/>
-        <p:txBody>
-          <a:bodyPr/>
-          <a:lstStyle/>
-          <a:p>
-            <a:r>
-              <a:rPr lang="en-US" sz="2800" dirty="0"/>
-              <a:t>You’ve run a large number of different types of models varying …</a:t>
-            </a:r>
-          </a:p>
-          <a:p>
-            <a:endParaRPr lang="en-US" sz="2800" dirty="0"/>
-          </a:p>
-          <a:p>
-            <a:r>
-              <a:rPr lang="en-US" sz="2800" dirty="0"/>
-              <a:t>You need to understand what types of models are effective under what circumstances, </a:t>
-            </a:r>
-            <a:r>
-              <a:rPr lang="en-US" sz="2800" b="1" dirty="0"/>
-              <a:t>and</a:t>
-            </a:r>
-          </a:p>
-          <a:p>
-            <a:endParaRPr lang="en-US" sz="2800" b="1" dirty="0"/>
-          </a:p>
-          <a:p>
-            <a:r>
-              <a:rPr lang="en-US" sz="2800" dirty="0"/>
-              <a:t>You need to decide which one(s) to use in the </a:t>
-            </a:r>
-            <a:r>
-              <a:rPr lang="en-US" sz="2800" b="1" dirty="0"/>
-              <a:t>future</a:t>
-            </a:r>
-          </a:p>
-        </p:txBody>
-      </p:sp>
-    </p:spTree>
-    <p:extLst>
-      <p:ext uri="{BB962C8B-B14F-4D97-AF65-F5344CB8AC3E}">
-        <p14:creationId xmlns:p14="http://schemas.microsoft.com/office/powerpoint/2010/main" val="423896287"/>
-      </p:ext>
-    </p:extLst>
-  </p:cSld>
-  <p:clrMapOvr>
-    <a:masterClrMapping/>
-  </p:clrMapOvr>
-</p:sld>
-</file>
-
-<file path=ppt/slides/slide7.xml><?xml version="1.0" encoding="utf-8"?>
-<p:sld xmlns:a="http://schemas.openxmlformats.org/drawingml/2006/main" xmlns:r="http://schemas.openxmlformats.org/officeDocument/2006/relationships" xmlns:p="http://schemas.openxmlformats.org/presentationml/2006/main">
-  <p:cSld>
-    <p:spTree>
-      <p:nvGrpSpPr>
-        <p:cNvPr id="1" name=""/>
-        <p:cNvGrpSpPr/>
-        <p:nvPr/>
-      </p:nvGrpSpPr>
-      <p:grpSpPr>
-        <a:xfrm>
-          <a:off x="0" y="0"/>
-          <a:ext cx="0" cy="0"/>
-          <a:chOff x="0" y="0"/>
-          <a:chExt cx="0" cy="0"/>
-        </a:xfrm>
-      </p:grpSpPr>
-      <p:sp>
-        <p:nvSpPr>
           <p:cNvPr id="4" name="Title 3">
             <a:extLst>
               <a:ext uri="{FF2B5EF4-FFF2-40B4-BE49-F238E27FC236}">
@@ -30016,6 +29916,106 @@
       </p:transition>
     </mc:Fallback>
   </mc:AlternateContent>
+</p:sld>
+</file>
+
+<file path=ppt/slides/slide7.xml><?xml version="1.0" encoding="utf-8"?>
+<p:sld xmlns:a="http://schemas.openxmlformats.org/drawingml/2006/main" xmlns:r="http://schemas.openxmlformats.org/officeDocument/2006/relationships" xmlns:p="http://schemas.openxmlformats.org/presentationml/2006/main">
+  <p:cSld>
+    <p:spTree>
+      <p:nvGrpSpPr>
+        <p:cNvPr id="1" name=""/>
+        <p:cNvGrpSpPr/>
+        <p:nvPr/>
+      </p:nvGrpSpPr>
+      <p:grpSpPr>
+        <a:xfrm>
+          <a:off x="0" y="0"/>
+          <a:ext cx="0" cy="0"/>
+          <a:chOff x="0" y="0"/>
+          <a:chExt cx="0" cy="0"/>
+        </a:xfrm>
+      </p:grpSpPr>
+      <p:sp>
+        <p:nvSpPr>
+          <p:cNvPr id="3" name="Title 2"/>
+          <p:cNvSpPr>
+            <a:spLocks noGrp="1"/>
+          </p:cNvSpPr>
+          <p:nvPr>
+            <p:ph type="title"/>
+          </p:nvPr>
+        </p:nvSpPr>
+        <p:spPr/>
+        <p:txBody>
+          <a:bodyPr/>
+          <a:lstStyle/>
+          <a:p>
+            <a:r>
+              <a:rPr lang="en-US" dirty="0"/>
+              <a:t>What is the goal of model selection?</a:t>
+            </a:r>
+          </a:p>
+        </p:txBody>
+      </p:sp>
+      <p:sp>
+        <p:nvSpPr>
+          <p:cNvPr id="2" name="Content Placeholder 1"/>
+          <p:cNvSpPr>
+            <a:spLocks noGrp="1"/>
+          </p:cNvSpPr>
+          <p:nvPr>
+            <p:ph type="body" idx="1"/>
+          </p:nvPr>
+        </p:nvSpPr>
+        <p:spPr/>
+        <p:txBody>
+          <a:bodyPr/>
+          <a:lstStyle/>
+          <a:p>
+            <a:r>
+              <a:rPr lang="en-US" sz="2800" dirty="0"/>
+              <a:t>You’ve run a large number of different types of models varying …</a:t>
+            </a:r>
+          </a:p>
+          <a:p>
+            <a:endParaRPr lang="en-US" sz="2800" dirty="0"/>
+          </a:p>
+          <a:p>
+            <a:r>
+              <a:rPr lang="en-US" sz="2800" dirty="0"/>
+              <a:t>You need to understand what types of models are effective under what circumstances, </a:t>
+            </a:r>
+            <a:r>
+              <a:rPr lang="en-US" sz="2800" b="1" dirty="0"/>
+              <a:t>and</a:t>
+            </a:r>
+          </a:p>
+          <a:p>
+            <a:endParaRPr lang="en-US" sz="2800" b="1" dirty="0"/>
+          </a:p>
+          <a:p>
+            <a:r>
+              <a:rPr lang="en-US" sz="2800" dirty="0"/>
+              <a:t>You need to decide which one(s) to use in the </a:t>
+            </a:r>
+            <a:r>
+              <a:rPr lang="en-US" sz="2800" b="1" dirty="0"/>
+              <a:t>future</a:t>
+            </a:r>
+          </a:p>
+        </p:txBody>
+      </p:sp>
+    </p:spTree>
+    <p:extLst>
+      <p:ext uri="{BB962C8B-B14F-4D97-AF65-F5344CB8AC3E}">
+        <p14:creationId xmlns:p14="http://schemas.microsoft.com/office/powerpoint/2010/main" val="423896287"/>
+      </p:ext>
+    </p:extLst>
+  </p:cSld>
+  <p:clrMapOvr>
+    <a:masterClrMapping/>
+  </p:clrMapOvr>
 </p:sld>
 </file>
 
